--- a/Primo Homework.pptx
+++ b/Primo Homework.pptx
@@ -7692,7 +7692,7 @@
             <a:pPr algn="l" rtl="0"/>
             <a:r>
               <a:rPr lang="it-IT" dirty="0"/>
-              <a:t>Se si decide di inviare, un file o un messaggio che sia, decide prima a chi inviare e poi si entra nella fase di criptazione, ovvero utilizziamo la chiave pubblica del ricevente e la chiave privata del mandante per criptare il file od il messaggio.</a:t>
+              <a:t>Se si decide di inviare, un file o un messaggio che sia, sceglie prima a chi inviare e poi si entra nella fase di criptazione, ovvero utilizziamo la chiave pubblica del ricevente e la chiave privata del mandante per criptare il file od il messaggio, e creazione della firma.</a:t>
             </a:r>
           </a:p>
           <a:p>

--- a/Primo Homework.pptx
+++ b/Primo Homework.pptx
@@ -7699,7 +7699,15 @@
             <a:pPr algn="l" rtl="0"/>
             <a:r>
               <a:rPr lang="it-IT" dirty="0"/>
-              <a:t>Se invece, l’utente decide di leggere un file, questo deve scegliere quale digitando il titolo, e abbiamo poi la fase di decriptazione a due punti, utilizzando la chiave privata del ricevente e la chiave pubblica del mandante.</a:t>
+              <a:t>Se invece, l’utente decide di leggere un file, questo deve scegliere quale digitando il titolo, </a:t>
+            </a:r>
+            <a:r>
+              <a:rPr lang="it-IT"/>
+              <a:t>e poi </a:t>
+            </a:r>
+            <a:r>
+              <a:rPr lang="it-IT" dirty="0"/>
+              <a:t>la fase di decriptazione a due punti, utilizzando la chiave privata del ricevente e la chiave pubblica del mandante.</a:t>
             </a:r>
           </a:p>
           <a:p>

--- a/Primo Homework.pptx
+++ b/Primo Homework.pptx
@@ -6859,7 +6859,15 @@
             </a:r>
             <a:r>
               <a:rPr lang="it-IT" dirty="0"/>
-              <a:t>, abbiamo creato un programma che simula lo scambio di messaggi con un modello di scambio a criptazione e decriptazione a due fasi.</a:t>
+              <a:t>, abbiamo creato un programma che simula lo scambio di messaggi con un modello di scambio a criptazione e decriptazione a due fasi, tramite utilizzo di </a:t>
+            </a:r>
+            <a:r>
+              <a:rPr lang="it-IT" dirty="0" err="1"/>
+              <a:t>keystore</a:t>
+            </a:r>
+            <a:r>
+              <a:rPr lang="it-IT" dirty="0"/>
+              <a:t> e relativi certificati.</a:t>
             </a:r>
           </a:p>
         </p:txBody>
@@ -7293,7 +7301,7 @@
             </a:pPr>
             <a:r>
               <a:rPr lang="it-IT" dirty="0"/>
-              <a:t>Creazione Certificati</a:t>
+              <a:t>Creazione Certificati e Firma</a:t>
             </a:r>
           </a:p>
         </p:txBody>
@@ -7699,15 +7707,7 @@
             <a:pPr algn="l" rtl="0"/>
             <a:r>
               <a:rPr lang="it-IT" dirty="0"/>
-              <a:t>Se invece, l’utente decide di leggere un file, questo deve scegliere quale digitando il titolo, </a:t>
-            </a:r>
-            <a:r>
-              <a:rPr lang="it-IT"/>
-              <a:t>e poi </a:t>
-            </a:r>
-            <a:r>
-              <a:rPr lang="it-IT" dirty="0"/>
-              <a:t>la fase di decriptazione a due punti, utilizzando la chiave privata del ricevente e la chiave pubblica del mandante.</a:t>
+              <a:t>Se invece, l’utente decide di leggere un file, questo deve scegliere quale digitando il titolo, e poi la fase di decriptazione a due punti, utilizzando la chiave privata del ricevente e la chiave pubblica del mandante.</a:t>
             </a:r>
           </a:p>
           <a:p>

--- a/Primo Homework.pptx
+++ b/Primo Homework.pptx
@@ -6867,8 +6867,13 @@
             </a:r>
             <a:r>
               <a:rPr lang="it-IT" dirty="0"/>
-              <a:t> e relativi certificati.</a:t>
-            </a:r>
+              <a:t> e relativi certificati e </a:t>
+            </a:r>
+            <a:r>
+              <a:rPr lang="it-IT"/>
+              <a:t>firma digitale.</a:t>
+            </a:r>
+            <a:endParaRPr lang="it-IT" dirty="0"/>
           </a:p>
         </p:txBody>
       </p:sp>

--- a/Primo Homework.pptx
+++ b/Primo Homework.pptx
@@ -6867,11 +6867,11 @@
             </a:r>
             <a:r>
               <a:rPr lang="it-IT" dirty="0"/>
-              <a:t> e relativi certificati e </a:t>
+              <a:t> e </a:t>
             </a:r>
             <a:r>
               <a:rPr lang="it-IT"/>
-              <a:t>firma digitale.</a:t>
+              <a:t>relativi certificati.</a:t>
             </a:r>
             <a:endParaRPr lang="it-IT" dirty="0"/>
           </a:p>
